--- a/Presentacion Proyecto.pptx
+++ b/Presentacion Proyecto.pptx
@@ -22,13 +22,13 @@
   <p:notesSz cx="6858000" cy="9144000"/>
   <p:embeddedFontLst>
     <p:embeddedFont>
-      <p:font typeface="Anaheim" panose="020B0604020202020204" charset="0"/>
+      <p:font typeface="Overpass Mono" panose="020B0604020202020204" charset="0"/>
       <p:regular r:id="rId12"/>
+      <p:bold r:id="rId13"/>
     </p:embeddedFont>
     <p:embeddedFont>
-      <p:font typeface="Overpass Mono" panose="020B0604020202020204" charset="0"/>
-      <p:regular r:id="rId13"/>
-      <p:bold r:id="rId14"/>
+      <p:font typeface="Anaheim" panose="020B0604020202020204" charset="0"/>
+      <p:regular r:id="rId14"/>
     </p:embeddedFont>
   </p:embeddedFontLst>
   <p:defaultTextStyle>
@@ -13068,7 +13068,7 @@
           <p:cNvPr id="1026" name="Picture 2" descr="Los 20 Lenguajes de ProgramaciÃ³n mÃ¡s usados en 2018 â Educacion IT">
             <a:extLst>
               <a:ext uri="{FF2B5EF4-FFF2-40B4-BE49-F238E27FC236}">
-                <a16:creationId xmlns:a16="http://schemas.microsoft.com/office/drawing/2014/main" xmlns="" id="{B285F5FB-2FD4-429F-91B2-F3CB1CB2A3B3}"/>
+                <a16:creationId xmlns="" xmlns:a16="http://schemas.microsoft.com/office/drawing/2014/main" id="{B285F5FB-2FD4-429F-91B2-F3CB1CB2A3B3}"/>
               </a:ext>
             </a:extLst>
           </p:cNvPr>
@@ -13118,6 +13118,13 @@
   <p:transition spd="slow">
     <p:push dir="u"/>
   </p:transition>
+  <p:timing>
+    <p:tnLst>
+      <p:par>
+        <p:cTn id="1" dur="indefinite" restart="never" nodeType="tmRoot"/>
+      </p:par>
+    </p:tnLst>
+  </p:timing>
 </p:sld>
 </file>
 
@@ -14331,7 +14338,7 @@
           <p:cNvPr id="72" name="Google Shape;341;p28">
             <a:extLst>
               <a:ext uri="{FF2B5EF4-FFF2-40B4-BE49-F238E27FC236}">
-                <a16:creationId xmlns:a16="http://schemas.microsoft.com/office/drawing/2014/main" xmlns="" id="{774E0BF3-09F0-4BCB-A2A8-E433A74425A3}"/>
+                <a16:creationId xmlns="" xmlns:a16="http://schemas.microsoft.com/office/drawing/2014/main" id="{774E0BF3-09F0-4BCB-A2A8-E433A74425A3}"/>
               </a:ext>
             </a:extLst>
           </p:cNvPr>
@@ -14379,7 +14386,7 @@
           <p:cNvPr id="2054" name="Picture 6" descr="Banco - Iconos gratis de negocio">
             <a:extLst>
               <a:ext uri="{FF2B5EF4-FFF2-40B4-BE49-F238E27FC236}">
-                <a16:creationId xmlns:a16="http://schemas.microsoft.com/office/drawing/2014/main" xmlns="" id="{415FE14D-DF9C-4DA8-B2F9-18B99E4E0ABE}"/>
+                <a16:creationId xmlns="" xmlns:a16="http://schemas.microsoft.com/office/drawing/2014/main" id="{415FE14D-DF9C-4DA8-B2F9-18B99E4E0ABE}"/>
               </a:ext>
             </a:extLst>
           </p:cNvPr>
@@ -14429,6 +14436,13 @@
   <p:transition spd="slow">
     <p:push dir="u"/>
   </p:transition>
+  <p:timing>
+    <p:tnLst>
+      <p:par>
+        <p:cTn id="1" dur="indefinite" restart="never" nodeType="tmRoot"/>
+      </p:par>
+    </p:tnLst>
+  </p:timing>
 </p:sld>
 </file>
 
@@ -14556,6 +14570,13 @@
   <p:transition spd="slow">
     <p:push dir="u"/>
   </p:transition>
+  <p:timing>
+    <p:tnLst>
+      <p:par>
+        <p:cTn id="1" dur="indefinite" restart="never" nodeType="tmRoot"/>
+      </p:par>
+    </p:tnLst>
+  </p:timing>
 </p:sld>
 </file>
 
@@ -20886,8 +20907,8 @@
         </p:blipFill>
         <p:spPr>
           <a:xfrm>
-            <a:off x="1323626" y="1307512"/>
-            <a:ext cx="3172634" cy="1751379"/>
+            <a:off x="1489363" y="1394993"/>
+            <a:ext cx="2888674" cy="1594626"/>
           </a:xfrm>
           <a:prstGeom prst="rect">
             <a:avLst/>
@@ -24220,16 +24241,8 @@
               <a:buNone/>
             </a:pPr>
             <a:r>
-              <a:rPr lang="en-US" dirty="0"/>
-              <a:t>┬</a:t>
-            </a:r>
-            <a:r>
-              <a:rPr lang="en-US" dirty="0" err="1"/>
-              <a:t>íMuchas</a:t>
-            </a:r>
-            <a:r>
-              <a:rPr lang="en-US" dirty="0"/>
-              <a:t> </a:t>
+              <a:rPr lang="en-US" dirty="0" smtClean="0"/>
+              <a:t>¡Muchas </a:t>
             </a:r>
             <a:r>
               <a:rPr lang="en" dirty="0"/>
@@ -24244,7 +24257,7 @@
           <p:cNvPr id="4" name="Rectangle 3">
             <a:extLst>
               <a:ext uri="{FF2B5EF4-FFF2-40B4-BE49-F238E27FC236}">
-                <a16:creationId xmlns:a16="http://schemas.microsoft.com/office/drawing/2014/main" xmlns="" id="{EE821414-8AB3-4058-811A-48FCA49FCC50}"/>
+                <a16:creationId xmlns="" xmlns:a16="http://schemas.microsoft.com/office/drawing/2014/main" id="{EE821414-8AB3-4058-811A-48FCA49FCC50}"/>
               </a:ext>
             </a:extLst>
           </p:cNvPr>
@@ -24301,6 +24314,13 @@
   <p:transition spd="slow">
     <p:push dir="u"/>
   </p:transition>
+  <p:timing>
+    <p:tnLst>
+      <p:par>
+        <p:cTn id="1" dur="indefinite" restart="never" nodeType="tmRoot"/>
+      </p:par>
+    </p:tnLst>
+  </p:timing>
 </p:sld>
 </file>
 
